--- a/Documentação/Elicitacao-de-reqisitos/Canvas/Canvas e User Stories.pptx
+++ b/Documentação/Elicitacao-de-reqisitos/Canvas/Canvas e User Stories.pptx
@@ -262,7 +262,7 @@
           <a:p>
             <a:fld id="{0C1EC3A6-73F2-41FC-89F0-4AB417FEF634}" type="datetimeFigureOut">
               <a:rPr lang="en-US" smtClean="0"/>
-              <a:t>9/4/2020</a:t>
+              <a:t>9/13/2020</a:t>
             </a:fld>
             <a:endParaRPr lang="en-US"/>
           </a:p>
@@ -462,7 +462,7 @@
           <a:p>
             <a:fld id="{0C1EC3A6-73F2-41FC-89F0-4AB417FEF634}" type="datetimeFigureOut">
               <a:rPr lang="en-US" smtClean="0"/>
-              <a:t>9/4/2020</a:t>
+              <a:t>9/13/2020</a:t>
             </a:fld>
             <a:endParaRPr lang="en-US"/>
           </a:p>
@@ -672,7 +672,7 @@
           <a:p>
             <a:fld id="{0C1EC3A6-73F2-41FC-89F0-4AB417FEF634}" type="datetimeFigureOut">
               <a:rPr lang="en-US" smtClean="0"/>
-              <a:t>9/4/2020</a:t>
+              <a:t>9/13/2020</a:t>
             </a:fld>
             <a:endParaRPr lang="en-US"/>
           </a:p>
@@ -872,7 +872,7 @@
           <a:p>
             <a:fld id="{0C1EC3A6-73F2-41FC-89F0-4AB417FEF634}" type="datetimeFigureOut">
               <a:rPr lang="en-US" smtClean="0"/>
-              <a:t>9/4/2020</a:t>
+              <a:t>9/13/2020</a:t>
             </a:fld>
             <a:endParaRPr lang="en-US"/>
           </a:p>
@@ -1148,7 +1148,7 @@
           <a:p>
             <a:fld id="{0C1EC3A6-73F2-41FC-89F0-4AB417FEF634}" type="datetimeFigureOut">
               <a:rPr lang="en-US" smtClean="0"/>
-              <a:t>9/4/2020</a:t>
+              <a:t>9/13/2020</a:t>
             </a:fld>
             <a:endParaRPr lang="en-US"/>
           </a:p>
@@ -1416,7 +1416,7 @@
           <a:p>
             <a:fld id="{0C1EC3A6-73F2-41FC-89F0-4AB417FEF634}" type="datetimeFigureOut">
               <a:rPr lang="en-US" smtClean="0"/>
-              <a:t>9/4/2020</a:t>
+              <a:t>9/13/2020</a:t>
             </a:fld>
             <a:endParaRPr lang="en-US"/>
           </a:p>
@@ -1831,7 +1831,7 @@
           <a:p>
             <a:fld id="{0C1EC3A6-73F2-41FC-89F0-4AB417FEF634}" type="datetimeFigureOut">
               <a:rPr lang="en-US" smtClean="0"/>
-              <a:t>9/4/2020</a:t>
+              <a:t>9/13/2020</a:t>
             </a:fld>
             <a:endParaRPr lang="en-US"/>
           </a:p>
@@ -1973,7 +1973,7 @@
           <a:p>
             <a:fld id="{0C1EC3A6-73F2-41FC-89F0-4AB417FEF634}" type="datetimeFigureOut">
               <a:rPr lang="en-US" smtClean="0"/>
-              <a:t>9/4/2020</a:t>
+              <a:t>9/13/2020</a:t>
             </a:fld>
             <a:endParaRPr lang="en-US"/>
           </a:p>
@@ -2086,7 +2086,7 @@
           <a:p>
             <a:fld id="{0C1EC3A6-73F2-41FC-89F0-4AB417FEF634}" type="datetimeFigureOut">
               <a:rPr lang="en-US" smtClean="0"/>
-              <a:t>9/4/2020</a:t>
+              <a:t>9/13/2020</a:t>
             </a:fld>
             <a:endParaRPr lang="en-US"/>
           </a:p>
@@ -2399,7 +2399,7 @@
           <a:p>
             <a:fld id="{0C1EC3A6-73F2-41FC-89F0-4AB417FEF634}" type="datetimeFigureOut">
               <a:rPr lang="en-US" smtClean="0"/>
-              <a:t>9/4/2020</a:t>
+              <a:t>9/13/2020</a:t>
             </a:fld>
             <a:endParaRPr lang="en-US"/>
           </a:p>
@@ -2688,7 +2688,7 @@
           <a:p>
             <a:fld id="{0C1EC3A6-73F2-41FC-89F0-4AB417FEF634}" type="datetimeFigureOut">
               <a:rPr lang="en-US" smtClean="0"/>
-              <a:t>9/4/2020</a:t>
+              <a:t>9/13/2020</a:t>
             </a:fld>
             <a:endParaRPr lang="en-US"/>
           </a:p>
@@ -2931,7 +2931,7 @@
           <a:p>
             <a:fld id="{0C1EC3A6-73F2-41FC-89F0-4AB417FEF634}" type="datetimeFigureOut">
               <a:rPr lang="en-US" smtClean="0"/>
-              <a:t>9/4/2020</a:t>
+              <a:t>9/13/2020</a:t>
             </a:fld>
             <a:endParaRPr lang="en-US"/>
           </a:p>
@@ -3438,7 +3438,7 @@
                   <a:schemeClr val="tx1"/>
                 </a:solidFill>
               </a:rPr>
-              <a:t>Donos de escola</a:t>
+              <a:t>Dono da faculdade</a:t>
             </a:r>
             <a:endParaRPr lang="en-US" sz="1400" dirty="0">
               <a:solidFill>
@@ -3450,10 +3450,10 @@
       </p:sp>
       <p:sp>
         <p:nvSpPr>
-          <p:cNvPr id="7" name="Retângulo 6">
-            <a:extLst>
-              <a:ext uri="{FF2B5EF4-FFF2-40B4-BE49-F238E27FC236}">
-                <a16:creationId xmlns:a16="http://schemas.microsoft.com/office/drawing/2014/main" id="{3E1E79F1-DE5C-43F6-804B-57CE62BC4354}"/>
+          <p:cNvPr id="8" name="Retângulo 7">
+            <a:extLst>
+              <a:ext uri="{FF2B5EF4-FFF2-40B4-BE49-F238E27FC236}">
+                <a16:creationId xmlns:a16="http://schemas.microsoft.com/office/drawing/2014/main" id="{875D9256-3EB8-4D8E-929A-17AC21BC6850}"/>
               </a:ext>
             </a:extLst>
           </p:cNvPr>
@@ -3462,8 +3462,8 @@
         </p:nvSpPr>
         <p:spPr>
           <a:xfrm>
-            <a:off x="992775" y="2381793"/>
-            <a:ext cx="1933303" cy="378823"/>
+            <a:off x="3104605" y="1480008"/>
+            <a:ext cx="1933303" cy="901785"/>
           </a:xfrm>
           <a:prstGeom prst="rect">
             <a:avLst/>
@@ -3502,7 +3502,7 @@
                   <a:schemeClr val="tx1"/>
                 </a:solidFill>
               </a:rPr>
-              <a:t>Zendesk</a:t>
+              <a:t>Venda e sustentação de Software para monitoramento de SO e Hardware</a:t>
             </a:r>
             <a:endParaRPr lang="en-US" sz="1400" dirty="0">
               <a:solidFill>
@@ -3514,10 +3514,10 @@
       </p:sp>
       <p:sp>
         <p:nvSpPr>
-          <p:cNvPr id="8" name="Retângulo 7">
-            <a:extLst>
-              <a:ext uri="{FF2B5EF4-FFF2-40B4-BE49-F238E27FC236}">
-                <a16:creationId xmlns:a16="http://schemas.microsoft.com/office/drawing/2014/main" id="{875D9256-3EB8-4D8E-929A-17AC21BC6850}"/>
+          <p:cNvPr id="10" name="Retângulo 9">
+            <a:extLst>
+              <a:ext uri="{FF2B5EF4-FFF2-40B4-BE49-F238E27FC236}">
+                <a16:creationId xmlns:a16="http://schemas.microsoft.com/office/drawing/2014/main" id="{F6304226-8028-462A-B811-9F45C064DC0D}"/>
               </a:ext>
             </a:extLst>
           </p:cNvPr>
@@ -3526,71 +3526,7 @@
         </p:nvSpPr>
         <p:spPr>
           <a:xfrm>
-            <a:off x="3104605" y="1650272"/>
-            <a:ext cx="1933303" cy="731521"/>
-          </a:xfrm>
-          <a:prstGeom prst="rect">
-            <a:avLst/>
-          </a:prstGeom>
-          <a:solidFill>
-            <a:schemeClr val="accent6">
-              <a:alpha val="50000"/>
-            </a:schemeClr>
-          </a:solidFill>
-          <a:ln>
-            <a:noFill/>
-          </a:ln>
-        </p:spPr>
-        <p:style>
-          <a:lnRef idx="0">
-            <a:scrgbClr r="0" g="0" b="0"/>
-          </a:lnRef>
-          <a:fillRef idx="0">
-            <a:scrgbClr r="0" g="0" b="0"/>
-          </a:fillRef>
-          <a:effectRef idx="0">
-            <a:scrgbClr r="0" g="0" b="0"/>
-          </a:effectRef>
-          <a:fontRef idx="minor">
-            <a:schemeClr val="lt1"/>
-          </a:fontRef>
-        </p:style>
-        <p:txBody>
-          <a:bodyPr rtlCol="0" anchor="ctr"/>
-          <a:lstStyle/>
-          <a:p>
-            <a:pPr algn="ctr"/>
-            <a:r>
-              <a:rPr lang="pt-BR" sz="1400" dirty="0">
-                <a:solidFill>
-                  <a:schemeClr val="tx1"/>
-                </a:solidFill>
-              </a:rPr>
-              <a:t>Monitoramento de computadores na área estudantil</a:t>
-            </a:r>
-            <a:endParaRPr lang="en-US" sz="1400" dirty="0">
-              <a:solidFill>
-                <a:schemeClr val="tx1"/>
-              </a:solidFill>
-            </a:endParaRPr>
-          </a:p>
-        </p:txBody>
-      </p:sp>
-      <p:sp>
-        <p:nvSpPr>
-          <p:cNvPr id="10" name="Retângulo 9">
-            <a:extLst>
-              <a:ext uri="{FF2B5EF4-FFF2-40B4-BE49-F238E27FC236}">
-                <a16:creationId xmlns:a16="http://schemas.microsoft.com/office/drawing/2014/main" id="{F6304226-8028-462A-B811-9F45C064DC0D}"/>
-              </a:ext>
-            </a:extLst>
-          </p:cNvPr>
-          <p:cNvSpPr/>
-          <p:nvPr/>
-        </p:nvSpPr>
-        <p:spPr>
-          <a:xfrm>
-            <a:off x="3104604" y="3374570"/>
+            <a:off x="3104604" y="3279869"/>
             <a:ext cx="1933303" cy="409305"/>
           </a:xfrm>
           <a:prstGeom prst="rect">
@@ -3654,8 +3590,8 @@
         </p:nvSpPr>
         <p:spPr>
           <a:xfrm>
-            <a:off x="3104604" y="3827412"/>
-            <a:ext cx="1933303" cy="409305"/>
+            <a:off x="3104604" y="3788964"/>
+            <a:ext cx="1933303" cy="501425"/>
           </a:xfrm>
           <a:prstGeom prst="rect">
             <a:avLst/>
@@ -3694,7 +3630,7 @@
                   <a:schemeClr val="tx1"/>
                 </a:solidFill>
               </a:rPr>
-              <a:t>Monitoramento SO</a:t>
+              <a:t>Equipe de desenvolvimento</a:t>
             </a:r>
             <a:endParaRPr lang="en-US" sz="1400" dirty="0">
               <a:solidFill>
@@ -3758,7 +3694,7 @@
                   <a:schemeClr val="tx1"/>
                 </a:solidFill>
               </a:rPr>
-              <a:t>Exibir dados de forma fácil de interpretar</a:t>
+              <a:t>Atendimento ágil</a:t>
             </a:r>
             <a:endParaRPr lang="en-US" sz="1400" dirty="0">
               <a:solidFill>
@@ -3770,10 +3706,10 @@
       </p:sp>
       <p:sp>
         <p:nvSpPr>
-          <p:cNvPr id="14" name="Retângulo 13">
-            <a:extLst>
-              <a:ext uri="{FF2B5EF4-FFF2-40B4-BE49-F238E27FC236}">
-                <a16:creationId xmlns:a16="http://schemas.microsoft.com/office/drawing/2014/main" id="{42F4F0F8-8A49-43F2-A181-F69E92FE38F5}"/>
+          <p:cNvPr id="15" name="Retângulo 14">
+            <a:extLst>
+              <a:ext uri="{FF2B5EF4-FFF2-40B4-BE49-F238E27FC236}">
+                <a16:creationId xmlns:a16="http://schemas.microsoft.com/office/drawing/2014/main" id="{56346E5A-051D-4F30-947F-006D60B1086B}"/>
               </a:ext>
             </a:extLst>
           </p:cNvPr>
@@ -3782,7 +3718,7 @@
         </p:nvSpPr>
         <p:spPr>
           <a:xfrm>
-            <a:off x="5129347" y="2336342"/>
+            <a:off x="5140232" y="2245361"/>
             <a:ext cx="1933303" cy="497481"/>
           </a:xfrm>
           <a:prstGeom prst="rect">
@@ -3822,7 +3758,7 @@
                   <a:schemeClr val="tx1"/>
                 </a:solidFill>
               </a:rPr>
-              <a:t>Fácil comunicação com o suporte</a:t>
+              <a:t>Maior disponibilidade do sistema</a:t>
             </a:r>
             <a:endParaRPr lang="en-US" sz="1400" dirty="0">
               <a:solidFill>
@@ -3834,10 +3770,10 @@
       </p:sp>
       <p:sp>
         <p:nvSpPr>
-          <p:cNvPr id="15" name="Retângulo 14">
-            <a:extLst>
-              <a:ext uri="{FF2B5EF4-FFF2-40B4-BE49-F238E27FC236}">
-                <a16:creationId xmlns:a16="http://schemas.microsoft.com/office/drawing/2014/main" id="{56346E5A-051D-4F30-947F-006D60B1086B}"/>
+          <p:cNvPr id="17" name="Retângulo 16">
+            <a:extLst>
+              <a:ext uri="{FF2B5EF4-FFF2-40B4-BE49-F238E27FC236}">
+                <a16:creationId xmlns:a16="http://schemas.microsoft.com/office/drawing/2014/main" id="{583553E3-DDFE-49BA-B332-7E781F0E3D48}"/>
               </a:ext>
             </a:extLst>
           </p:cNvPr>
@@ -3846,135 +3782,7 @@
         </p:nvSpPr>
         <p:spPr>
           <a:xfrm>
-            <a:off x="5129347" y="3053983"/>
-            <a:ext cx="1933303" cy="497481"/>
-          </a:xfrm>
-          <a:prstGeom prst="rect">
-            <a:avLst/>
-          </a:prstGeom>
-          <a:solidFill>
-            <a:schemeClr val="accent5">
-              <a:alpha val="50000"/>
-            </a:schemeClr>
-          </a:solidFill>
-          <a:ln>
-            <a:noFill/>
-          </a:ln>
-        </p:spPr>
-        <p:style>
-          <a:lnRef idx="0">
-            <a:scrgbClr r="0" g="0" b="0"/>
-          </a:lnRef>
-          <a:fillRef idx="0">
-            <a:scrgbClr r="0" g="0" b="0"/>
-          </a:fillRef>
-          <a:effectRef idx="0">
-            <a:scrgbClr r="0" g="0" b="0"/>
-          </a:effectRef>
-          <a:fontRef idx="minor">
-            <a:schemeClr val="lt1"/>
-          </a:fontRef>
-        </p:style>
-        <p:txBody>
-          <a:bodyPr rtlCol="0" anchor="ctr"/>
-          <a:lstStyle/>
-          <a:p>
-            <a:pPr algn="ctr"/>
-            <a:r>
-              <a:rPr lang="pt-BR" sz="1400" dirty="0">
-                <a:solidFill>
-                  <a:schemeClr val="tx1"/>
-                </a:solidFill>
-              </a:rPr>
-              <a:t>Diversas formas de abrir um chamado</a:t>
-            </a:r>
-            <a:endParaRPr lang="en-US" sz="1400" dirty="0">
-              <a:solidFill>
-                <a:schemeClr val="tx1"/>
-              </a:solidFill>
-            </a:endParaRPr>
-          </a:p>
-        </p:txBody>
-      </p:sp>
-      <p:sp>
-        <p:nvSpPr>
-          <p:cNvPr id="16" name="Retângulo 15">
-            <a:extLst>
-              <a:ext uri="{FF2B5EF4-FFF2-40B4-BE49-F238E27FC236}">
-                <a16:creationId xmlns:a16="http://schemas.microsoft.com/office/drawing/2014/main" id="{0045F62D-3E3D-4A72-BF9E-983BD83D1913}"/>
-              </a:ext>
-            </a:extLst>
-          </p:cNvPr>
-          <p:cNvSpPr/>
-          <p:nvPr/>
-        </p:nvSpPr>
-        <p:spPr>
-          <a:xfrm>
-            <a:off x="5129347" y="3677734"/>
-            <a:ext cx="1933303" cy="497481"/>
-          </a:xfrm>
-          <a:prstGeom prst="rect">
-            <a:avLst/>
-          </a:prstGeom>
-          <a:solidFill>
-            <a:schemeClr val="accent5">
-              <a:alpha val="50000"/>
-            </a:schemeClr>
-          </a:solidFill>
-          <a:ln>
-            <a:noFill/>
-          </a:ln>
-        </p:spPr>
-        <p:style>
-          <a:lnRef idx="0">
-            <a:scrgbClr r="0" g="0" b="0"/>
-          </a:lnRef>
-          <a:fillRef idx="0">
-            <a:scrgbClr r="0" g="0" b="0"/>
-          </a:fillRef>
-          <a:effectRef idx="0">
-            <a:scrgbClr r="0" g="0" b="0"/>
-          </a:effectRef>
-          <a:fontRef idx="minor">
-            <a:schemeClr val="lt1"/>
-          </a:fontRef>
-        </p:style>
-        <p:txBody>
-          <a:bodyPr rtlCol="0" anchor="ctr"/>
-          <a:lstStyle/>
-          <a:p>
-            <a:pPr algn="ctr"/>
-            <a:r>
-              <a:rPr lang="pt-BR" sz="1400" dirty="0">
-                <a:solidFill>
-                  <a:schemeClr val="tx1"/>
-                </a:solidFill>
-              </a:rPr>
-              <a:t>Evitar defeitos no computador</a:t>
-            </a:r>
-            <a:endParaRPr lang="en-US" sz="1400" dirty="0">
-              <a:solidFill>
-                <a:schemeClr val="tx1"/>
-              </a:solidFill>
-            </a:endParaRPr>
-          </a:p>
-        </p:txBody>
-      </p:sp>
-      <p:sp>
-        <p:nvSpPr>
-          <p:cNvPr id="17" name="Retângulo 16">
-            <a:extLst>
-              <a:ext uri="{FF2B5EF4-FFF2-40B4-BE49-F238E27FC236}">
-                <a16:creationId xmlns:a16="http://schemas.microsoft.com/office/drawing/2014/main" id="{583553E3-DDFE-49BA-B332-7E781F0E3D48}"/>
-              </a:ext>
-            </a:extLst>
-          </p:cNvPr>
-          <p:cNvSpPr/>
-          <p:nvPr/>
-        </p:nvSpPr>
-        <p:spPr>
-          <a:xfrm>
-            <a:off x="7230289" y="1673131"/>
+            <a:off x="7252061" y="1322170"/>
             <a:ext cx="1824448" cy="497481"/>
           </a:xfrm>
           <a:prstGeom prst="rect">
@@ -4014,7 +3822,7 @@
                   <a:schemeClr val="tx1"/>
                 </a:solidFill>
               </a:rPr>
-              <a:t>Suporte de TI confiável</a:t>
+              <a:t>Atendimento via chat</a:t>
             </a:r>
             <a:endParaRPr lang="en-US" sz="1400" dirty="0">
               <a:solidFill>
@@ -4038,7 +3846,7 @@
         </p:nvSpPr>
         <p:spPr>
           <a:xfrm>
-            <a:off x="7230289" y="3507911"/>
+            <a:off x="7252061" y="3213192"/>
             <a:ext cx="1824448" cy="497481"/>
           </a:xfrm>
           <a:prstGeom prst="rect">
@@ -4090,10 +3898,10 @@
       </p:sp>
       <p:sp>
         <p:nvSpPr>
-          <p:cNvPr id="19" name="Retângulo 18">
-            <a:extLst>
-              <a:ext uri="{FF2B5EF4-FFF2-40B4-BE49-F238E27FC236}">
-                <a16:creationId xmlns:a16="http://schemas.microsoft.com/office/drawing/2014/main" id="{D83EBDF1-7C30-436F-828A-54431A66068A}"/>
+          <p:cNvPr id="21" name="Retângulo 20">
+            <a:extLst>
+              <a:ext uri="{FF2B5EF4-FFF2-40B4-BE49-F238E27FC236}">
+                <a16:creationId xmlns:a16="http://schemas.microsoft.com/office/drawing/2014/main" id="{33E3D356-C263-41B1-AF3E-7F3FB09672D5}"/>
               </a:ext>
             </a:extLst>
           </p:cNvPr>
@@ -4102,7 +3910,7 @@
         </p:nvSpPr>
         <p:spPr>
           <a:xfrm>
-            <a:off x="9374776" y="1838861"/>
+            <a:off x="9385661" y="2215158"/>
             <a:ext cx="1824448" cy="497481"/>
           </a:xfrm>
           <a:prstGeom prst="rect">
@@ -4142,71 +3950,7 @@
                   <a:schemeClr val="tx1"/>
                 </a:solidFill>
               </a:rPr>
-              <a:t>Escolas ensino médio</a:t>
-            </a:r>
-            <a:endParaRPr lang="en-US" sz="1400" dirty="0">
-              <a:solidFill>
-                <a:schemeClr val="tx1"/>
-              </a:solidFill>
-            </a:endParaRPr>
-          </a:p>
-        </p:txBody>
-      </p:sp>
-      <p:sp>
-        <p:nvSpPr>
-          <p:cNvPr id="21" name="Retângulo 20">
-            <a:extLst>
-              <a:ext uri="{FF2B5EF4-FFF2-40B4-BE49-F238E27FC236}">
-                <a16:creationId xmlns:a16="http://schemas.microsoft.com/office/drawing/2014/main" id="{33E3D356-C263-41B1-AF3E-7F3FB09672D5}"/>
-              </a:ext>
-            </a:extLst>
-          </p:cNvPr>
-          <p:cNvSpPr/>
-          <p:nvPr/>
-        </p:nvSpPr>
-        <p:spPr>
-          <a:xfrm>
-            <a:off x="9374776" y="2523845"/>
-            <a:ext cx="1824448" cy="497481"/>
-          </a:xfrm>
-          <a:prstGeom prst="rect">
-            <a:avLst/>
-          </a:prstGeom>
-          <a:solidFill>
-            <a:schemeClr val="accent4">
-              <a:alpha val="50000"/>
-            </a:schemeClr>
-          </a:solidFill>
-          <a:ln>
-            <a:noFill/>
-          </a:ln>
-        </p:spPr>
-        <p:style>
-          <a:lnRef idx="0">
-            <a:scrgbClr r="0" g="0" b="0"/>
-          </a:lnRef>
-          <a:fillRef idx="0">
-            <a:scrgbClr r="0" g="0" b="0"/>
-          </a:fillRef>
-          <a:effectRef idx="0">
-            <a:scrgbClr r="0" g="0" b="0"/>
-          </a:effectRef>
-          <a:fontRef idx="minor">
-            <a:schemeClr val="lt1"/>
-          </a:fontRef>
-        </p:style>
-        <p:txBody>
-          <a:bodyPr rtlCol="0" anchor="ctr"/>
-          <a:lstStyle/>
-          <a:p>
-            <a:pPr algn="ctr"/>
-            <a:r>
-              <a:rPr lang="pt-BR" sz="1400" dirty="0">
-                <a:solidFill>
-                  <a:schemeClr val="tx1"/>
-                </a:solidFill>
-              </a:rPr>
-              <a:t>Ensino Técnico</a:t>
+              <a:t>Faculdade</a:t>
             </a:r>
             <a:endParaRPr lang="en-US" sz="1400" dirty="0">
               <a:solidFill>
@@ -4393,7 +4137,7 @@
                   <a:schemeClr val="tx1"/>
                 </a:solidFill>
               </a:rPr>
-              <a:t>Marketing</a:t>
+              <a:t>Plataforma de helpdesk</a:t>
             </a:r>
             <a:endParaRPr lang="en-US" sz="1400" dirty="0">
               <a:solidFill>
@@ -4417,8 +4161,8 @@
         </p:nvSpPr>
         <p:spPr>
           <a:xfrm>
-            <a:off x="6637018" y="4807681"/>
-            <a:ext cx="2279471" cy="863234"/>
+            <a:off x="6637018" y="4807680"/>
+            <a:ext cx="2279471" cy="1055791"/>
           </a:xfrm>
           <a:prstGeom prst="rect">
             <a:avLst/>
@@ -4457,7 +4201,263 @@
                   <a:schemeClr val="tx1"/>
                 </a:solidFill>
               </a:rPr>
-              <a:t>Vender soluções de monitoramento de computadores nas escolas</a:t>
+              <a:t>Vender soluções de monitoramento de computadores nas faculdades</a:t>
+            </a:r>
+            <a:endParaRPr lang="en-US" sz="1400" dirty="0">
+              <a:solidFill>
+                <a:schemeClr val="tx1"/>
+              </a:solidFill>
+            </a:endParaRPr>
+          </a:p>
+        </p:txBody>
+      </p:sp>
+      <p:sp>
+        <p:nvSpPr>
+          <p:cNvPr id="20" name="Retângulo 19">
+            <a:extLst>
+              <a:ext uri="{FF2B5EF4-FFF2-40B4-BE49-F238E27FC236}">
+                <a16:creationId xmlns:a16="http://schemas.microsoft.com/office/drawing/2014/main" id="{41BC5D48-D234-4A20-8452-FB0000ACA76A}"/>
+              </a:ext>
+            </a:extLst>
+          </p:cNvPr>
+          <p:cNvSpPr/>
+          <p:nvPr/>
+        </p:nvSpPr>
+        <p:spPr>
+          <a:xfrm>
+            <a:off x="992776" y="2402028"/>
+            <a:ext cx="1933303" cy="378823"/>
+          </a:xfrm>
+          <a:prstGeom prst="rect">
+            <a:avLst/>
+          </a:prstGeom>
+          <a:solidFill>
+            <a:schemeClr val="accent6">
+              <a:alpha val="50000"/>
+            </a:schemeClr>
+          </a:solidFill>
+          <a:ln>
+            <a:noFill/>
+          </a:ln>
+        </p:spPr>
+        <p:style>
+          <a:lnRef idx="0">
+            <a:scrgbClr r="0" g="0" b="0"/>
+          </a:lnRef>
+          <a:fillRef idx="0">
+            <a:scrgbClr r="0" g="0" b="0"/>
+          </a:fillRef>
+          <a:effectRef idx="0">
+            <a:scrgbClr r="0" g="0" b="0"/>
+          </a:effectRef>
+          <a:fontRef idx="minor">
+            <a:schemeClr val="lt1"/>
+          </a:fontRef>
+        </p:style>
+        <p:txBody>
+          <a:bodyPr rtlCol="0" anchor="ctr"/>
+          <a:lstStyle/>
+          <a:p>
+            <a:pPr algn="ctr"/>
+            <a:r>
+              <a:rPr lang="pt-BR" sz="1400" dirty="0">
+                <a:solidFill>
+                  <a:schemeClr val="tx1"/>
+                </a:solidFill>
+              </a:rPr>
+              <a:t>Azure</a:t>
+            </a:r>
+            <a:endParaRPr lang="en-US" sz="1400" dirty="0">
+              <a:solidFill>
+                <a:schemeClr val="tx1"/>
+              </a:solidFill>
+            </a:endParaRPr>
+          </a:p>
+        </p:txBody>
+      </p:sp>
+      <p:sp>
+        <p:nvSpPr>
+          <p:cNvPr id="26" name="Retângulo 25">
+            <a:extLst>
+              <a:ext uri="{FF2B5EF4-FFF2-40B4-BE49-F238E27FC236}">
+                <a16:creationId xmlns:a16="http://schemas.microsoft.com/office/drawing/2014/main" id="{944B6B9A-B94E-4208-87B7-A7703329F220}"/>
+              </a:ext>
+            </a:extLst>
+          </p:cNvPr>
+          <p:cNvSpPr/>
+          <p:nvPr/>
+        </p:nvSpPr>
+        <p:spPr>
+          <a:xfrm>
+            <a:off x="7252061" y="3783875"/>
+            <a:ext cx="1824448" cy="497481"/>
+          </a:xfrm>
+          <a:prstGeom prst="rect">
+            <a:avLst/>
+          </a:prstGeom>
+          <a:solidFill>
+            <a:schemeClr val="accent4">
+              <a:alpha val="50000"/>
+            </a:schemeClr>
+          </a:solidFill>
+          <a:ln>
+            <a:noFill/>
+          </a:ln>
+        </p:spPr>
+        <p:style>
+          <a:lnRef idx="0">
+            <a:scrgbClr r="0" g="0" b="0"/>
+          </a:lnRef>
+          <a:fillRef idx="0">
+            <a:scrgbClr r="0" g="0" b="0"/>
+          </a:fillRef>
+          <a:effectRef idx="0">
+            <a:scrgbClr r="0" g="0" b="0"/>
+          </a:effectRef>
+          <a:fontRef idx="minor">
+            <a:schemeClr val="lt1"/>
+          </a:fontRef>
+        </p:style>
+        <p:txBody>
+          <a:bodyPr rtlCol="0" anchor="ctr"/>
+          <a:lstStyle/>
+          <a:p>
+            <a:pPr algn="ctr"/>
+            <a:r>
+              <a:rPr lang="pt-BR" sz="1400" dirty="0">
+                <a:solidFill>
+                  <a:schemeClr val="tx1"/>
+                </a:solidFill>
+              </a:rPr>
+              <a:t>Slack</a:t>
+            </a:r>
+            <a:endParaRPr lang="en-US" sz="1400" dirty="0">
+              <a:solidFill>
+                <a:schemeClr val="tx1"/>
+              </a:solidFill>
+            </a:endParaRPr>
+          </a:p>
+        </p:txBody>
+      </p:sp>
+      <p:sp>
+        <p:nvSpPr>
+          <p:cNvPr id="27" name="Retângulo 26">
+            <a:extLst>
+              <a:ext uri="{FF2B5EF4-FFF2-40B4-BE49-F238E27FC236}">
+                <a16:creationId xmlns:a16="http://schemas.microsoft.com/office/drawing/2014/main" id="{A35CA67E-DF5B-43AE-A275-F44D5B2EAF2F}"/>
+              </a:ext>
+            </a:extLst>
+          </p:cNvPr>
+          <p:cNvSpPr/>
+          <p:nvPr/>
+        </p:nvSpPr>
+        <p:spPr>
+          <a:xfrm>
+            <a:off x="7252061" y="1915105"/>
+            <a:ext cx="1824448" cy="602975"/>
+          </a:xfrm>
+          <a:prstGeom prst="rect">
+            <a:avLst/>
+          </a:prstGeom>
+          <a:solidFill>
+            <a:schemeClr val="accent4">
+              <a:alpha val="50000"/>
+            </a:schemeClr>
+          </a:solidFill>
+          <a:ln>
+            <a:noFill/>
+          </a:ln>
+        </p:spPr>
+        <p:style>
+          <a:lnRef idx="0">
+            <a:scrgbClr r="0" g="0" b="0"/>
+          </a:lnRef>
+          <a:fillRef idx="0">
+            <a:scrgbClr r="0" g="0" b="0"/>
+          </a:fillRef>
+          <a:effectRef idx="0">
+            <a:scrgbClr r="0" g="0" b="0"/>
+          </a:effectRef>
+          <a:fontRef idx="minor">
+            <a:schemeClr val="lt1"/>
+          </a:fontRef>
+        </p:style>
+        <p:txBody>
+          <a:bodyPr rtlCol="0" anchor="ctr"/>
+          <a:lstStyle/>
+          <a:p>
+            <a:pPr algn="ctr"/>
+            <a:r>
+              <a:rPr lang="pt-BR" sz="1400" dirty="0">
+                <a:solidFill>
+                  <a:schemeClr val="tx1"/>
+                </a:solidFill>
+              </a:rPr>
+              <a:t>Abertura de tickets por diversos dispositivos</a:t>
+            </a:r>
+            <a:endParaRPr lang="en-US" sz="1400" dirty="0">
+              <a:solidFill>
+                <a:schemeClr val="tx1"/>
+              </a:solidFill>
+            </a:endParaRPr>
+          </a:p>
+        </p:txBody>
+      </p:sp>
+      <p:sp>
+        <p:nvSpPr>
+          <p:cNvPr id="30" name="Retângulo 29">
+            <a:extLst>
+              <a:ext uri="{FF2B5EF4-FFF2-40B4-BE49-F238E27FC236}">
+                <a16:creationId xmlns:a16="http://schemas.microsoft.com/office/drawing/2014/main" id="{CD12C7E1-4CCC-4CED-AA72-5E24A7F17157}"/>
+              </a:ext>
+            </a:extLst>
+          </p:cNvPr>
+          <p:cNvSpPr/>
+          <p:nvPr/>
+        </p:nvSpPr>
+        <p:spPr>
+          <a:xfrm>
+            <a:off x="5140232" y="2858141"/>
+            <a:ext cx="1933303" cy="497481"/>
+          </a:xfrm>
+          <a:prstGeom prst="rect">
+            <a:avLst/>
+          </a:prstGeom>
+          <a:solidFill>
+            <a:schemeClr val="accent5">
+              <a:alpha val="50000"/>
+            </a:schemeClr>
+          </a:solidFill>
+          <a:ln>
+            <a:noFill/>
+          </a:ln>
+        </p:spPr>
+        <p:style>
+          <a:lnRef idx="0">
+            <a:scrgbClr r="0" g="0" b="0"/>
+          </a:lnRef>
+          <a:fillRef idx="0">
+            <a:scrgbClr r="0" g="0" b="0"/>
+          </a:fillRef>
+          <a:effectRef idx="0">
+            <a:scrgbClr r="0" g="0" b="0"/>
+          </a:effectRef>
+          <a:fontRef idx="minor">
+            <a:schemeClr val="lt1"/>
+          </a:fontRef>
+        </p:style>
+        <p:txBody>
+          <a:bodyPr rtlCol="0" anchor="ctr"/>
+          <a:lstStyle/>
+          <a:p>
+            <a:pPr algn="ctr"/>
+            <a:r>
+              <a:rPr lang="pt-BR" sz="1400" dirty="0">
+                <a:solidFill>
+                  <a:schemeClr val="tx1"/>
+                </a:solidFill>
+              </a:rPr>
+              <a:t>Avaliar custo benefício da máquina</a:t>
             </a:r>
             <a:endParaRPr lang="en-US" sz="1400" dirty="0">
               <a:solidFill>
